--- a/REDUX.pptx
+++ b/REDUX.pptx
@@ -112,6 +112,11 @@
       </a:defRPr>
     </a:lvl9pPr>
   </p:defaultTextStyle>
+  <p:extLst>
+    <p:ext uri="{EFAFB233-063F-42B5-8137-9DF3F51BA10A}">
+      <p15:sldGuideLst xmlns:p15="http://schemas.microsoft.com/office/powerpoint/2012/main"/>
+    </p:ext>
+  </p:extLst>
 </p:presentation>
 </file>
 
@@ -542,7 +547,7 @@
           <a:p>
             <a:fld id="{68941E93-9258-4DAE-BCAF-FB610386B54E}" type="datetimeFigureOut">
               <a:rPr lang="en-US" smtClean="0"/>
-              <a:t>10/18/2023</a:t>
+              <a:t>10/20/2023</a:t>
             </a:fld>
             <a:endParaRPr lang="en-US"/>
           </a:p>
@@ -740,7 +745,7 @@
           <a:p>
             <a:fld id="{68941E93-9258-4DAE-BCAF-FB610386B54E}" type="datetimeFigureOut">
               <a:rPr lang="en-US" smtClean="0"/>
-              <a:t>10/18/2023</a:t>
+              <a:t>10/20/2023</a:t>
             </a:fld>
             <a:endParaRPr lang="en-US"/>
           </a:p>
@@ -948,7 +953,7 @@
           <a:p>
             <a:fld id="{68941E93-9258-4DAE-BCAF-FB610386B54E}" type="datetimeFigureOut">
               <a:rPr lang="en-US" smtClean="0"/>
-              <a:t>10/18/2023</a:t>
+              <a:t>10/20/2023</a:t>
             </a:fld>
             <a:endParaRPr lang="en-US"/>
           </a:p>
@@ -1146,7 +1151,7 @@
           <a:p>
             <a:fld id="{68941E93-9258-4DAE-BCAF-FB610386B54E}" type="datetimeFigureOut">
               <a:rPr lang="en-US" smtClean="0"/>
-              <a:t>10/18/2023</a:t>
+              <a:t>10/20/2023</a:t>
             </a:fld>
             <a:endParaRPr lang="en-US"/>
           </a:p>
@@ -1421,7 +1426,7 @@
           <a:p>
             <a:fld id="{68941E93-9258-4DAE-BCAF-FB610386B54E}" type="datetimeFigureOut">
               <a:rPr lang="en-US" smtClean="0"/>
-              <a:t>10/18/2023</a:t>
+              <a:t>10/20/2023</a:t>
             </a:fld>
             <a:endParaRPr lang="en-US"/>
           </a:p>
@@ -1686,7 +1691,7 @@
           <a:p>
             <a:fld id="{68941E93-9258-4DAE-BCAF-FB610386B54E}" type="datetimeFigureOut">
               <a:rPr lang="en-US" smtClean="0"/>
-              <a:t>10/18/2023</a:t>
+              <a:t>10/20/2023</a:t>
             </a:fld>
             <a:endParaRPr lang="en-US"/>
           </a:p>
@@ -2098,7 +2103,7 @@
           <a:p>
             <a:fld id="{68941E93-9258-4DAE-BCAF-FB610386B54E}" type="datetimeFigureOut">
               <a:rPr lang="en-US" smtClean="0"/>
-              <a:t>10/18/2023</a:t>
+              <a:t>10/20/2023</a:t>
             </a:fld>
             <a:endParaRPr lang="en-US"/>
           </a:p>
@@ -2239,7 +2244,7 @@
           <a:p>
             <a:fld id="{68941E93-9258-4DAE-BCAF-FB610386B54E}" type="datetimeFigureOut">
               <a:rPr lang="en-US" smtClean="0"/>
-              <a:t>10/18/2023</a:t>
+              <a:t>10/20/2023</a:t>
             </a:fld>
             <a:endParaRPr lang="en-US"/>
           </a:p>
@@ -2352,7 +2357,7 @@
           <a:p>
             <a:fld id="{68941E93-9258-4DAE-BCAF-FB610386B54E}" type="datetimeFigureOut">
               <a:rPr lang="en-US" smtClean="0"/>
-              <a:t>10/18/2023</a:t>
+              <a:t>10/20/2023</a:t>
             </a:fld>
             <a:endParaRPr lang="en-US"/>
           </a:p>
@@ -2663,7 +2668,7 @@
           <a:p>
             <a:fld id="{68941E93-9258-4DAE-BCAF-FB610386B54E}" type="datetimeFigureOut">
               <a:rPr lang="en-US" smtClean="0"/>
-              <a:t>10/18/2023</a:t>
+              <a:t>10/20/2023</a:t>
             </a:fld>
             <a:endParaRPr lang="en-US"/>
           </a:p>
@@ -2951,7 +2956,7 @@
           <a:p>
             <a:fld id="{68941E93-9258-4DAE-BCAF-FB610386B54E}" type="datetimeFigureOut">
               <a:rPr lang="en-US" smtClean="0"/>
-              <a:t>10/18/2023</a:t>
+              <a:t>10/20/2023</a:t>
             </a:fld>
             <a:endParaRPr lang="en-US"/>
           </a:p>
@@ -3192,7 +3197,7 @@
           <a:p>
             <a:fld id="{68941E93-9258-4DAE-BCAF-FB610386B54E}" type="datetimeFigureOut">
               <a:rPr lang="en-US" smtClean="0"/>
-              <a:t>10/18/2023</a:t>
+              <a:t>10/20/2023</a:t>
             </a:fld>
             <a:endParaRPr lang="en-US"/>
           </a:p>
@@ -3934,8 +3939,8 @@
           </a:extLst>
         </p:spPr>
       </p:pic>
-      <mc:AlternateContent xmlns:mc="http://schemas.openxmlformats.org/markup-compatibility/2006">
-        <mc:Choice xmlns:p14="http://schemas.microsoft.com/office/powerpoint/2010/main" xmlns:aink="http://schemas.microsoft.com/office/drawing/2016/ink" Requires="p14 aink">
+      <mc:AlternateContent xmlns:mc="http://schemas.openxmlformats.org/markup-compatibility/2006" xmlns:p14="http://schemas.microsoft.com/office/powerpoint/2010/main" xmlns:aink="http://schemas.microsoft.com/office/drawing/2016/ink">
+        <mc:Choice Requires="p14 aink">
           <p:contentPart p14:bwMode="auto" r:id="rId3">
             <p14:nvContentPartPr>
               <p14:cNvPr id="4" name="Ink 3">
@@ -3954,7 +3959,7 @@
             </p14:xfrm>
           </p:contentPart>
         </mc:Choice>
-        <mc:Fallback>
+        <mc:Fallback xmlns="">
           <p:pic>
             <p:nvPicPr>
               <p:cNvPr id="4" name="Ink 3">
@@ -4005,8 +4010,8 @@
             <a:chExt cx="3509280" cy="250200"/>
           </a:xfrm>
         </p:grpSpPr>
-        <mc:AlternateContent xmlns:mc="http://schemas.openxmlformats.org/markup-compatibility/2006">
-          <mc:Choice xmlns:p14="http://schemas.microsoft.com/office/powerpoint/2010/main" xmlns:aink="http://schemas.microsoft.com/office/drawing/2016/ink" Requires="p14 aink">
+        <mc:AlternateContent xmlns:mc="http://schemas.openxmlformats.org/markup-compatibility/2006" xmlns:p14="http://schemas.microsoft.com/office/powerpoint/2010/main" xmlns:aink="http://schemas.microsoft.com/office/drawing/2016/ink">
+          <mc:Choice Requires="p14 aink">
             <p:contentPart p14:bwMode="auto" r:id="rId5">
               <p14:nvContentPartPr>
                 <p14:cNvPr id="5" name="Ink 4">
@@ -4025,7 +4030,7 @@
               </p14:xfrm>
             </p:contentPart>
           </mc:Choice>
-          <mc:Fallback>
+          <mc:Fallback xmlns="">
             <p:pic>
               <p:nvPicPr>
                 <p:cNvPr id="5" name="Ink 4">
@@ -4056,8 +4061,8 @@
             </p:pic>
           </mc:Fallback>
         </mc:AlternateContent>
-        <mc:AlternateContent xmlns:mc="http://schemas.openxmlformats.org/markup-compatibility/2006">
-          <mc:Choice xmlns:p14="http://schemas.microsoft.com/office/powerpoint/2010/main" xmlns:aink="http://schemas.microsoft.com/office/drawing/2016/ink" Requires="p14 aink">
+        <mc:AlternateContent xmlns:mc="http://schemas.openxmlformats.org/markup-compatibility/2006" xmlns:p14="http://schemas.microsoft.com/office/powerpoint/2010/main" xmlns:aink="http://schemas.microsoft.com/office/drawing/2016/ink">
+          <mc:Choice Requires="p14 aink">
             <p:contentPart p14:bwMode="auto" r:id="rId7">
               <p14:nvContentPartPr>
                 <p14:cNvPr id="6" name="Ink 5">
@@ -4076,7 +4081,7 @@
               </p14:xfrm>
             </p:contentPart>
           </mc:Choice>
-          <mc:Fallback>
+          <mc:Fallback xmlns="">
             <p:pic>
               <p:nvPicPr>
                 <p:cNvPr id="6" name="Ink 5">
@@ -4107,8 +4112,8 @@
             </p:pic>
           </mc:Fallback>
         </mc:AlternateContent>
-        <mc:AlternateContent xmlns:mc="http://schemas.openxmlformats.org/markup-compatibility/2006">
-          <mc:Choice xmlns:p14="http://schemas.microsoft.com/office/powerpoint/2010/main" xmlns:aink="http://schemas.microsoft.com/office/drawing/2016/ink" Requires="p14 aink">
+        <mc:AlternateContent xmlns:mc="http://schemas.openxmlformats.org/markup-compatibility/2006" xmlns:p14="http://schemas.microsoft.com/office/powerpoint/2010/main" xmlns:aink="http://schemas.microsoft.com/office/drawing/2016/ink">
+          <mc:Choice Requires="p14 aink">
             <p:contentPart p14:bwMode="auto" r:id="rId9">
               <p14:nvContentPartPr>
                 <p14:cNvPr id="7" name="Ink 6">
@@ -4127,7 +4132,7 @@
               </p14:xfrm>
             </p:contentPart>
           </mc:Choice>
-          <mc:Fallback>
+          <mc:Fallback xmlns="">
             <p:pic>
               <p:nvPicPr>
                 <p:cNvPr id="7" name="Ink 6">
@@ -4158,8 +4163,8 @@
             </p:pic>
           </mc:Fallback>
         </mc:AlternateContent>
-        <mc:AlternateContent xmlns:mc="http://schemas.openxmlformats.org/markup-compatibility/2006">
-          <mc:Choice xmlns:p14="http://schemas.microsoft.com/office/powerpoint/2010/main" xmlns:aink="http://schemas.microsoft.com/office/drawing/2016/ink" Requires="p14 aink">
+        <mc:AlternateContent xmlns:mc="http://schemas.openxmlformats.org/markup-compatibility/2006" xmlns:p14="http://schemas.microsoft.com/office/powerpoint/2010/main" xmlns:aink="http://schemas.microsoft.com/office/drawing/2016/ink">
+          <mc:Choice Requires="p14 aink">
             <p:contentPart p14:bwMode="auto" r:id="rId11">
               <p14:nvContentPartPr>
                 <p14:cNvPr id="8" name="Ink 7">
@@ -4178,7 +4183,7 @@
               </p14:xfrm>
             </p:contentPart>
           </mc:Choice>
-          <mc:Fallback>
+          <mc:Fallback xmlns="">
             <p:pic>
               <p:nvPicPr>
                 <p:cNvPr id="8" name="Ink 7">
@@ -4209,8 +4214,8 @@
             </p:pic>
           </mc:Fallback>
         </mc:AlternateContent>
-        <mc:AlternateContent xmlns:mc="http://schemas.openxmlformats.org/markup-compatibility/2006">
-          <mc:Choice xmlns:p14="http://schemas.microsoft.com/office/powerpoint/2010/main" xmlns:aink="http://schemas.microsoft.com/office/drawing/2016/ink" Requires="p14 aink">
+        <mc:AlternateContent xmlns:mc="http://schemas.openxmlformats.org/markup-compatibility/2006" xmlns:p14="http://schemas.microsoft.com/office/powerpoint/2010/main" xmlns:aink="http://schemas.microsoft.com/office/drawing/2016/ink">
+          <mc:Choice Requires="p14 aink">
             <p:contentPart p14:bwMode="auto" r:id="rId13">
               <p14:nvContentPartPr>
                 <p14:cNvPr id="9" name="Ink 8">
@@ -4229,7 +4234,7 @@
               </p14:xfrm>
             </p:contentPart>
           </mc:Choice>
-          <mc:Fallback>
+          <mc:Fallback xmlns="">
             <p:pic>
               <p:nvPicPr>
                 <p:cNvPr id="9" name="Ink 8">
@@ -4260,8 +4265,8 @@
             </p:pic>
           </mc:Fallback>
         </mc:AlternateContent>
-        <mc:AlternateContent xmlns:mc="http://schemas.openxmlformats.org/markup-compatibility/2006">
-          <mc:Choice xmlns:p14="http://schemas.microsoft.com/office/powerpoint/2010/main" xmlns:aink="http://schemas.microsoft.com/office/drawing/2016/ink" Requires="p14 aink">
+        <mc:AlternateContent xmlns:mc="http://schemas.openxmlformats.org/markup-compatibility/2006" xmlns:p14="http://schemas.microsoft.com/office/powerpoint/2010/main" xmlns:aink="http://schemas.microsoft.com/office/drawing/2016/ink">
+          <mc:Choice Requires="p14 aink">
             <p:contentPart p14:bwMode="auto" r:id="rId15">
               <p14:nvContentPartPr>
                 <p14:cNvPr id="10" name="Ink 9">
@@ -4280,7 +4285,7 @@
               </p14:xfrm>
             </p:contentPart>
           </mc:Choice>
-          <mc:Fallback>
+          <mc:Fallback xmlns="">
             <p:pic>
               <p:nvPicPr>
                 <p:cNvPr id="10" name="Ink 9">
@@ -4312,8 +4317,8 @@
           </mc:Fallback>
         </mc:AlternateContent>
       </p:grpSp>
-      <mc:AlternateContent xmlns:mc="http://schemas.openxmlformats.org/markup-compatibility/2006">
-        <mc:Choice xmlns:p14="http://schemas.microsoft.com/office/powerpoint/2010/main" Requires="p14">
+      <mc:AlternateContent xmlns:mc="http://schemas.openxmlformats.org/markup-compatibility/2006" xmlns:p14="http://schemas.microsoft.com/office/powerpoint/2010/main">
+        <mc:Choice Requires="p14">
           <p:contentPart p14:bwMode="auto" r:id="rId17">
             <p14:nvContentPartPr>
               <p14:cNvPr id="13" name="Ink 12">
@@ -4332,7 +4337,7 @@
             </p14:xfrm>
           </p:contentPart>
         </mc:Choice>
-        <mc:Fallback>
+        <mc:Fallback xmlns="">
           <p:pic>
             <p:nvPicPr>
               <p:cNvPr id="13" name="Ink 12">
@@ -4363,8 +4368,8 @@
           </p:pic>
         </mc:Fallback>
       </mc:AlternateContent>
-      <mc:AlternateContent xmlns:mc="http://schemas.openxmlformats.org/markup-compatibility/2006">
-        <mc:Choice xmlns:p14="http://schemas.microsoft.com/office/powerpoint/2010/main" Requires="p14">
+      <mc:AlternateContent xmlns:mc="http://schemas.openxmlformats.org/markup-compatibility/2006" xmlns:p14="http://schemas.microsoft.com/office/powerpoint/2010/main">
+        <mc:Choice Requires="p14">
           <p:contentPart p14:bwMode="auto" r:id="rId19">
             <p14:nvContentPartPr>
               <p14:cNvPr id="14" name="Ink 13">
@@ -4383,7 +4388,7 @@
             </p14:xfrm>
           </p:contentPart>
         </mc:Choice>
-        <mc:Fallback>
+        <mc:Fallback xmlns="">
           <p:pic>
             <p:nvPicPr>
               <p:cNvPr id="14" name="Ink 13">
@@ -4991,6 +4996,30 @@
             <a:r>
               <a:rPr lang="en-US" dirty="0"/>
               <a:t> Creating User reducer</a:t>
+            </a:r>
+          </a:p>
+          <a:p>
+            <a:r>
+              <a:rPr lang="en-US" dirty="0"/>
+              <a:t>Creating Selectors</a:t>
+            </a:r>
+          </a:p>
+          <a:p>
+            <a:r>
+              <a:rPr lang="en-US" dirty="0"/>
+              <a:t>Categories Reducer</a:t>
+            </a:r>
+          </a:p>
+          <a:p>
+            <a:r>
+              <a:rPr lang="en-US" dirty="0"/>
+              <a:t>Categories selectors</a:t>
+            </a:r>
+          </a:p>
+          <a:p>
+            <a:r>
+              <a:rPr lang="en-US" dirty="0"/>
+              <a:t>Business Logic in Our Selectors</a:t>
             </a:r>
           </a:p>
         </p:txBody>

--- a/REDUX.pptx
+++ b/REDUX.pptx
@@ -14,6 +14,10 @@
     <p:sldId id="262" r:id="rId8"/>
     <p:sldId id="263" r:id="rId9"/>
     <p:sldId id="264" r:id="rId10"/>
+    <p:sldId id="265" r:id="rId11"/>
+    <p:sldId id="266" r:id="rId12"/>
+    <p:sldId id="267" r:id="rId13"/>
+    <p:sldId id="268" r:id="rId14"/>
   </p:sldIdLst>
   <p:sldSz cx="12192000" cy="6858000"/>
   <p:notesSz cx="6858000" cy="9144000"/>
@@ -547,7 +551,7 @@
           <a:p>
             <a:fld id="{68941E93-9258-4DAE-BCAF-FB610386B54E}" type="datetimeFigureOut">
               <a:rPr lang="en-US" smtClean="0"/>
-              <a:t>10/20/2023</a:t>
+              <a:t>10/27/2023</a:t>
             </a:fld>
             <a:endParaRPr lang="en-US"/>
           </a:p>
@@ -745,7 +749,7 @@
           <a:p>
             <a:fld id="{68941E93-9258-4DAE-BCAF-FB610386B54E}" type="datetimeFigureOut">
               <a:rPr lang="en-US" smtClean="0"/>
-              <a:t>10/20/2023</a:t>
+              <a:t>10/27/2023</a:t>
             </a:fld>
             <a:endParaRPr lang="en-US"/>
           </a:p>
@@ -953,7 +957,7 @@
           <a:p>
             <a:fld id="{68941E93-9258-4DAE-BCAF-FB610386B54E}" type="datetimeFigureOut">
               <a:rPr lang="en-US" smtClean="0"/>
-              <a:t>10/20/2023</a:t>
+              <a:t>10/27/2023</a:t>
             </a:fld>
             <a:endParaRPr lang="en-US"/>
           </a:p>
@@ -1151,7 +1155,7 @@
           <a:p>
             <a:fld id="{68941E93-9258-4DAE-BCAF-FB610386B54E}" type="datetimeFigureOut">
               <a:rPr lang="en-US" smtClean="0"/>
-              <a:t>10/20/2023</a:t>
+              <a:t>10/27/2023</a:t>
             </a:fld>
             <a:endParaRPr lang="en-US"/>
           </a:p>
@@ -1426,7 +1430,7 @@
           <a:p>
             <a:fld id="{68941E93-9258-4DAE-BCAF-FB610386B54E}" type="datetimeFigureOut">
               <a:rPr lang="en-US" smtClean="0"/>
-              <a:t>10/20/2023</a:t>
+              <a:t>10/27/2023</a:t>
             </a:fld>
             <a:endParaRPr lang="en-US"/>
           </a:p>
@@ -1691,7 +1695,7 @@
           <a:p>
             <a:fld id="{68941E93-9258-4DAE-BCAF-FB610386B54E}" type="datetimeFigureOut">
               <a:rPr lang="en-US" smtClean="0"/>
-              <a:t>10/20/2023</a:t>
+              <a:t>10/27/2023</a:t>
             </a:fld>
             <a:endParaRPr lang="en-US"/>
           </a:p>
@@ -2103,7 +2107,7 @@
           <a:p>
             <a:fld id="{68941E93-9258-4DAE-BCAF-FB610386B54E}" type="datetimeFigureOut">
               <a:rPr lang="en-US" smtClean="0"/>
-              <a:t>10/20/2023</a:t>
+              <a:t>10/27/2023</a:t>
             </a:fld>
             <a:endParaRPr lang="en-US"/>
           </a:p>
@@ -2244,7 +2248,7 @@
           <a:p>
             <a:fld id="{68941E93-9258-4DAE-BCAF-FB610386B54E}" type="datetimeFigureOut">
               <a:rPr lang="en-US" smtClean="0"/>
-              <a:t>10/20/2023</a:t>
+              <a:t>10/27/2023</a:t>
             </a:fld>
             <a:endParaRPr lang="en-US"/>
           </a:p>
@@ -2357,7 +2361,7 @@
           <a:p>
             <a:fld id="{68941E93-9258-4DAE-BCAF-FB610386B54E}" type="datetimeFigureOut">
               <a:rPr lang="en-US" smtClean="0"/>
-              <a:t>10/20/2023</a:t>
+              <a:t>10/27/2023</a:t>
             </a:fld>
             <a:endParaRPr lang="en-US"/>
           </a:p>
@@ -2668,7 +2672,7 @@
           <a:p>
             <a:fld id="{68941E93-9258-4DAE-BCAF-FB610386B54E}" type="datetimeFigureOut">
               <a:rPr lang="en-US" smtClean="0"/>
-              <a:t>10/20/2023</a:t>
+              <a:t>10/27/2023</a:t>
             </a:fld>
             <a:endParaRPr lang="en-US"/>
           </a:p>
@@ -2956,7 +2960,7 @@
           <a:p>
             <a:fld id="{68941E93-9258-4DAE-BCAF-FB610386B54E}" type="datetimeFigureOut">
               <a:rPr lang="en-US" smtClean="0"/>
-              <a:t>10/20/2023</a:t>
+              <a:t>10/27/2023</a:t>
             </a:fld>
             <a:endParaRPr lang="en-US"/>
           </a:p>
@@ -3197,7 +3201,7 @@
           <a:p>
             <a:fld id="{68941E93-9258-4DAE-BCAF-FB610386B54E}" type="datetimeFigureOut">
               <a:rPr lang="en-US" smtClean="0"/>
-              <a:t>10/20/2023</a:t>
+              <a:t>10/27/2023</a:t>
             </a:fld>
             <a:endParaRPr lang="en-US"/>
           </a:p>
@@ -3646,6 +3650,320 @@
     <p:extLst>
       <p:ext uri="{BB962C8B-B14F-4D97-AF65-F5344CB8AC3E}">
         <p14:creationId xmlns:p14="http://schemas.microsoft.com/office/powerpoint/2010/main" val="3002090454"/>
+      </p:ext>
+    </p:extLst>
+  </p:cSld>
+  <p:clrMapOvr>
+    <a:masterClrMapping/>
+  </p:clrMapOvr>
+</p:sld>
+</file>
+
+<file path=ppt/slides/slide10.xml><?xml version="1.0" encoding="utf-8"?>
+<p:sld xmlns:a="http://schemas.openxmlformats.org/drawingml/2006/main" xmlns:r="http://schemas.openxmlformats.org/officeDocument/2006/relationships" xmlns:p="http://schemas.openxmlformats.org/presentationml/2006/main">
+  <p:cSld>
+    <p:spTree>
+      <p:nvGrpSpPr>
+        <p:cNvPr id="1" name=""/>
+        <p:cNvGrpSpPr/>
+        <p:nvPr/>
+      </p:nvGrpSpPr>
+      <p:grpSpPr>
+        <a:xfrm>
+          <a:off x="0" y="0"/>
+          <a:ext cx="0" cy="0"/>
+          <a:chOff x="0" y="0"/>
+          <a:chExt cx="0" cy="0"/>
+        </a:xfrm>
+      </p:grpSpPr>
+      <p:pic>
+        <p:nvPicPr>
+          <p:cNvPr id="1026" name="Picture 2">
+            <a:extLst>
+              <a:ext uri="{FF2B5EF4-FFF2-40B4-BE49-F238E27FC236}">
+                <a16:creationId xmlns:a16="http://schemas.microsoft.com/office/drawing/2014/main" id="{BCF9B39B-018B-06D5-8139-A37E895BD199}"/>
+              </a:ext>
+            </a:extLst>
+          </p:cNvPr>
+          <p:cNvPicPr>
+            <a:picLocks noChangeAspect="1" noChangeArrowheads="1"/>
+          </p:cNvPicPr>
+          <p:nvPr/>
+        </p:nvPicPr>
+        <p:blipFill>
+          <a:blip r:embed="rId2">
+            <a:extLst>
+              <a:ext uri="{28A0092B-C50C-407E-A947-70E740481C1C}">
+                <a14:useLocalDpi xmlns:a14="http://schemas.microsoft.com/office/drawing/2010/main" val="0"/>
+              </a:ext>
+            </a:extLst>
+          </a:blip>
+          <a:srcRect/>
+          <a:stretch>
+            <a:fillRect/>
+          </a:stretch>
+        </p:blipFill>
+        <p:spPr bwMode="auto">
+          <a:xfrm>
+            <a:off x="1327087" y="559558"/>
+            <a:ext cx="10349498" cy="4635121"/>
+          </a:xfrm>
+          <a:prstGeom prst="rect">
+            <a:avLst/>
+          </a:prstGeom>
+          <a:noFill/>
+          <a:extLst>
+            <a:ext uri="{909E8E84-426E-40DD-AFC4-6F175D3DCCD1}">
+              <a14:hiddenFill xmlns:a14="http://schemas.microsoft.com/office/drawing/2010/main">
+                <a:solidFill>
+                  <a:srgbClr val="FFFFFF"/>
+                </a:solidFill>
+              </a14:hiddenFill>
+            </a:ext>
+          </a:extLst>
+        </p:spPr>
+      </p:pic>
+    </p:spTree>
+    <p:extLst>
+      <p:ext uri="{BB962C8B-B14F-4D97-AF65-F5344CB8AC3E}">
+        <p14:creationId xmlns:p14="http://schemas.microsoft.com/office/powerpoint/2010/main" val="1593526959"/>
+      </p:ext>
+    </p:extLst>
+  </p:cSld>
+  <p:clrMapOvr>
+    <a:masterClrMapping/>
+  </p:clrMapOvr>
+</p:sld>
+</file>
+
+<file path=ppt/slides/slide11.xml><?xml version="1.0" encoding="utf-8"?>
+<p:sld xmlns:a="http://schemas.openxmlformats.org/drawingml/2006/main" xmlns:r="http://schemas.openxmlformats.org/officeDocument/2006/relationships" xmlns:p="http://schemas.openxmlformats.org/presentationml/2006/main">
+  <p:cSld>
+    <p:spTree>
+      <p:nvGrpSpPr>
+        <p:cNvPr id="1" name=""/>
+        <p:cNvGrpSpPr/>
+        <p:nvPr/>
+      </p:nvGrpSpPr>
+      <p:grpSpPr>
+        <a:xfrm>
+          <a:off x="0" y="0"/>
+          <a:ext cx="0" cy="0"/>
+          <a:chOff x="0" y="0"/>
+          <a:chExt cx="0" cy="0"/>
+        </a:xfrm>
+      </p:grpSpPr>
+      <p:pic>
+        <p:nvPicPr>
+          <p:cNvPr id="2050" name="Picture 2">
+            <a:extLst>
+              <a:ext uri="{FF2B5EF4-FFF2-40B4-BE49-F238E27FC236}">
+                <a16:creationId xmlns:a16="http://schemas.microsoft.com/office/drawing/2014/main" id="{5ABEBFD5-4FEE-F74E-2A4C-866B95C49DF6}"/>
+              </a:ext>
+            </a:extLst>
+          </p:cNvPr>
+          <p:cNvPicPr>
+            <a:picLocks noChangeAspect="1" noChangeArrowheads="1"/>
+          </p:cNvPicPr>
+          <p:nvPr/>
+        </p:nvPicPr>
+        <p:blipFill>
+          <a:blip r:embed="rId2">
+            <a:extLst>
+              <a:ext uri="{28A0092B-C50C-407E-A947-70E740481C1C}">
+                <a14:useLocalDpi xmlns:a14="http://schemas.microsoft.com/office/drawing/2010/main" val="0"/>
+              </a:ext>
+            </a:extLst>
+          </a:blip>
+          <a:srcRect/>
+          <a:stretch>
+            <a:fillRect/>
+          </a:stretch>
+        </p:blipFill>
+        <p:spPr bwMode="auto">
+          <a:xfrm>
+            <a:off x="1828799" y="484911"/>
+            <a:ext cx="8220431" cy="5235706"/>
+          </a:xfrm>
+          <a:prstGeom prst="rect">
+            <a:avLst/>
+          </a:prstGeom>
+          <a:noFill/>
+          <a:extLst>
+            <a:ext uri="{909E8E84-426E-40DD-AFC4-6F175D3DCCD1}">
+              <a14:hiddenFill xmlns:a14="http://schemas.microsoft.com/office/drawing/2010/main">
+                <a:solidFill>
+                  <a:srgbClr val="FFFFFF"/>
+                </a:solidFill>
+              </a14:hiddenFill>
+            </a:ext>
+          </a:extLst>
+        </p:spPr>
+      </p:pic>
+    </p:spTree>
+    <p:extLst>
+      <p:ext uri="{BB962C8B-B14F-4D97-AF65-F5344CB8AC3E}">
+        <p14:creationId xmlns:p14="http://schemas.microsoft.com/office/powerpoint/2010/main" val="2234264780"/>
+      </p:ext>
+    </p:extLst>
+  </p:cSld>
+  <p:clrMapOvr>
+    <a:masterClrMapping/>
+  </p:clrMapOvr>
+</p:sld>
+</file>
+
+<file path=ppt/slides/slide12.xml><?xml version="1.0" encoding="utf-8"?>
+<p:sld xmlns:a="http://schemas.openxmlformats.org/drawingml/2006/main" xmlns:r="http://schemas.openxmlformats.org/officeDocument/2006/relationships" xmlns:p="http://schemas.openxmlformats.org/presentationml/2006/main">
+  <p:cSld>
+    <p:spTree>
+      <p:nvGrpSpPr>
+        <p:cNvPr id="1" name=""/>
+        <p:cNvGrpSpPr/>
+        <p:nvPr/>
+      </p:nvGrpSpPr>
+      <p:grpSpPr>
+        <a:xfrm>
+          <a:off x="0" y="0"/>
+          <a:ext cx="0" cy="0"/>
+          <a:chOff x="0" y="0"/>
+          <a:chExt cx="0" cy="0"/>
+        </a:xfrm>
+      </p:grpSpPr>
+      <p:pic>
+        <p:nvPicPr>
+          <p:cNvPr id="3074" name="Picture 2">
+            <a:extLst>
+              <a:ext uri="{FF2B5EF4-FFF2-40B4-BE49-F238E27FC236}">
+                <a16:creationId xmlns:a16="http://schemas.microsoft.com/office/drawing/2014/main" id="{C02300AD-540E-C890-2AD4-CC7F4CA8BF06}"/>
+              </a:ext>
+            </a:extLst>
+          </p:cNvPr>
+          <p:cNvPicPr>
+            <a:picLocks noChangeAspect="1" noChangeArrowheads="1"/>
+          </p:cNvPicPr>
+          <p:nvPr/>
+        </p:nvPicPr>
+        <p:blipFill>
+          <a:blip r:embed="rId2">
+            <a:extLst>
+              <a:ext uri="{28A0092B-C50C-407E-A947-70E740481C1C}">
+                <a14:useLocalDpi xmlns:a14="http://schemas.microsoft.com/office/drawing/2010/main" val="0"/>
+              </a:ext>
+            </a:extLst>
+          </a:blip>
+          <a:srcRect/>
+          <a:stretch>
+            <a:fillRect/>
+          </a:stretch>
+        </p:blipFill>
+        <p:spPr bwMode="auto">
+          <a:xfrm>
+            <a:off x="2947988" y="1423988"/>
+            <a:ext cx="6296025" cy="4010025"/>
+          </a:xfrm>
+          <a:prstGeom prst="rect">
+            <a:avLst/>
+          </a:prstGeom>
+          <a:noFill/>
+          <a:extLst>
+            <a:ext uri="{909E8E84-426E-40DD-AFC4-6F175D3DCCD1}">
+              <a14:hiddenFill xmlns:a14="http://schemas.microsoft.com/office/drawing/2010/main">
+                <a:solidFill>
+                  <a:srgbClr val="FFFFFF"/>
+                </a:solidFill>
+              </a14:hiddenFill>
+            </a:ext>
+          </a:extLst>
+        </p:spPr>
+      </p:pic>
+    </p:spTree>
+    <p:extLst>
+      <p:ext uri="{BB962C8B-B14F-4D97-AF65-F5344CB8AC3E}">
+        <p14:creationId xmlns:p14="http://schemas.microsoft.com/office/powerpoint/2010/main" val="2115597740"/>
+      </p:ext>
+    </p:extLst>
+  </p:cSld>
+  <p:clrMapOvr>
+    <a:masterClrMapping/>
+  </p:clrMapOvr>
+</p:sld>
+</file>
+
+<file path=ppt/slides/slide13.xml><?xml version="1.0" encoding="utf-8"?>
+<p:sld xmlns:a="http://schemas.openxmlformats.org/drawingml/2006/main" xmlns:r="http://schemas.openxmlformats.org/officeDocument/2006/relationships" xmlns:p="http://schemas.openxmlformats.org/presentationml/2006/main">
+  <p:cSld>
+    <p:spTree>
+      <p:nvGrpSpPr>
+        <p:cNvPr id="1" name=""/>
+        <p:cNvGrpSpPr/>
+        <p:nvPr/>
+      </p:nvGrpSpPr>
+      <p:grpSpPr>
+        <a:xfrm>
+          <a:off x="0" y="0"/>
+          <a:ext cx="0" cy="0"/>
+          <a:chOff x="0" y="0"/>
+          <a:chExt cx="0" cy="0"/>
+        </a:xfrm>
+      </p:grpSpPr>
+      <p:sp>
+        <p:nvSpPr>
+          <p:cNvPr id="2" name="Title 1">
+            <a:extLst>
+              <a:ext uri="{FF2B5EF4-FFF2-40B4-BE49-F238E27FC236}">
+                <a16:creationId xmlns:a16="http://schemas.microsoft.com/office/drawing/2014/main" id="{6C7BDC01-68E8-D955-1C38-31F9D779C258}"/>
+              </a:ext>
+            </a:extLst>
+          </p:cNvPr>
+          <p:cNvSpPr>
+            <a:spLocks noGrp="1"/>
+          </p:cNvSpPr>
+          <p:nvPr>
+            <p:ph type="title"/>
+          </p:nvPr>
+        </p:nvSpPr>
+        <p:spPr/>
+        <p:txBody>
+          <a:bodyPr/>
+          <a:lstStyle/>
+          <a:p>
+            <a:endParaRPr lang="en-US"/>
+          </a:p>
+        </p:txBody>
+      </p:sp>
+      <p:sp>
+        <p:nvSpPr>
+          <p:cNvPr id="3" name="Content Placeholder 2">
+            <a:extLst>
+              <a:ext uri="{FF2B5EF4-FFF2-40B4-BE49-F238E27FC236}">
+                <a16:creationId xmlns:a16="http://schemas.microsoft.com/office/drawing/2014/main" id="{293C4FA0-292B-DC56-2C5D-C723516498FF}"/>
+              </a:ext>
+            </a:extLst>
+          </p:cNvPr>
+          <p:cNvSpPr>
+            <a:spLocks noGrp="1"/>
+          </p:cNvSpPr>
+          <p:nvPr>
+            <p:ph idx="1"/>
+          </p:nvPr>
+        </p:nvSpPr>
+        <p:spPr/>
+        <p:txBody>
+          <a:bodyPr/>
+          <a:lstStyle/>
+          <a:p>
+            <a:r>
+              <a:rPr lang="en-US" dirty="0"/>
+              <a:t>Middleware</a:t>
+            </a:r>
+          </a:p>
+        </p:txBody>
+      </p:sp>
+    </p:spTree>
+    <p:extLst>
+      <p:ext uri="{BB962C8B-B14F-4D97-AF65-F5344CB8AC3E}">
+        <p14:creationId xmlns:p14="http://schemas.microsoft.com/office/powerpoint/2010/main" val="2349235775"/>
       </p:ext>
     </p:extLst>
   </p:cSld>
@@ -5022,6 +5340,23 @@
               <a:t>Business Logic in Our Selectors</a:t>
             </a:r>
           </a:p>
+          <a:p>
+            <a:r>
+              <a:rPr lang="en-US" dirty="0"/>
+              <a:t>What Triggers </a:t>
+            </a:r>
+            <a:r>
+              <a:rPr lang="en-US" dirty="0" err="1"/>
+              <a:t>useSelector</a:t>
+            </a:r>
+            <a:endParaRPr lang="en-US" dirty="0"/>
+          </a:p>
+          <a:p>
+            <a:r>
+              <a:rPr lang="en-US" dirty="0"/>
+              <a:t>Middleware</a:t>
+            </a:r>
+          </a:p>
         </p:txBody>
       </p:sp>
     </p:spTree>
